--- a/React18.pptx
+++ b/React18.pptx
@@ -3742,7 +3742,27 @@
             </a:r>
           </a:p>
           <a:p>
+            <a:r>
+              <a:rPr lang="en-US" dirty="0"/>
+              <a:t>Link : </a:t>
+            </a:r>
+            <a:r>
+              <a:rPr lang="en-US" dirty="0">
+                <a:hlinkClick r:id="rId2"/>
+              </a:rPr>
+              <a:t>https://blog.greenroots.info/explain-react-18-usetransition-hook-with-examples</a:t>
+            </a:r>
             <a:endParaRPr lang="en-US" dirty="0"/>
+          </a:p>
+          <a:p>
+            <a:r>
+              <a:rPr lang="en-US" dirty="0" err="1"/>
+              <a:t>Github</a:t>
+            </a:r>
+            <a:r>
+              <a:rPr lang="en-US" dirty="0"/>
+              <a:t> source code: https://github.com/atapas/youtube/tree/main/react/20-useTransition</a:t>
+            </a:r>
           </a:p>
         </p:txBody>
       </p:sp>
